--- a/Class-4/Numpy and Pandas.pptx
+++ b/Class-4/Numpy and Pandas.pptx
@@ -14,6 +14,9 @@
     <p:sldId id="261" r:id="rId11"/>
     <p:sldId id="262" r:id="rId12"/>
     <p:sldId id="265" r:id="rId13"/>
+    <p:sldId id="267" r:id="rId14"/>
+    <p:sldId id="266" r:id="rId15"/>
+    <p:sldId id="268" r:id="rId16"/>
   </p:sldIdLst>
   <p:sldSz cx="12192000" cy="6858000"/>
   <p:notesSz cx="6858000" cy="9144000"/>
@@ -4048,7 +4051,7 @@
           <a:p>
             <a:fld id="{ED291B17-9318-49DB-B28B-6E5994AE9581}" type="datetime1">
               <a:rPr lang="en-US" smtClean="0"/>
-              <a:t>9/29/2024</a:t>
+              <a:t>10/2/2024</a:t>
             </a:fld>
             <a:endParaRPr lang="en-US" dirty="0"/>
           </a:p>
@@ -4251,7 +4254,7 @@
           <a:p>
             <a:fld id="{2CED4963-E985-44C4-B8C4-FDD613B7C2F8}" type="datetime1">
               <a:rPr lang="en-US" smtClean="0"/>
-              <a:t>9/29/2024</a:t>
+              <a:t>10/2/2024</a:t>
             </a:fld>
             <a:endParaRPr lang="en-US" dirty="0"/>
           </a:p>
@@ -4613,7 +4616,7 @@
           <a:p>
             <a:fld id="{ED291B17-9318-49DB-B28B-6E5994AE9581}" type="datetime1">
               <a:rPr lang="en-US" smtClean="0"/>
-              <a:t>9/29/2024</a:t>
+              <a:t>10/2/2024</a:t>
             </a:fld>
             <a:endParaRPr lang="en-US" dirty="0"/>
           </a:p>
@@ -4811,7 +4814,7 @@
           <a:p>
             <a:fld id="{78DD82B9-B8EE-4375-B6FF-88FA6ABB15D9}" type="datetime1">
               <a:rPr lang="en-US" smtClean="0"/>
-              <a:t>9/29/2024</a:t>
+              <a:t>10/2/2024</a:t>
             </a:fld>
             <a:endParaRPr lang="en-US" dirty="0"/>
           </a:p>
@@ -5123,7 +5126,7 @@
           <a:p>
             <a:fld id="{B2497495-0637-405E-AE64-5CC7506D51F5}" type="datetime1">
               <a:rPr lang="en-US" smtClean="0"/>
-              <a:t>9/29/2024</a:t>
+              <a:t>10/2/2024</a:t>
             </a:fld>
             <a:endParaRPr lang="en-US" dirty="0"/>
           </a:p>
@@ -5376,7 +5379,7 @@
           <a:p>
             <a:fld id="{7BFFD690-9426-415D-8B65-26881E07B2D4}" type="datetime1">
               <a:rPr lang="en-US" smtClean="0"/>
-              <a:t>9/29/2024</a:t>
+              <a:t>10/2/2024</a:t>
             </a:fld>
             <a:endParaRPr lang="en-US" dirty="0"/>
           </a:p>
@@ -5798,7 +5801,7 @@
           <a:p>
             <a:fld id="{04C4989A-474C-40DE-95B9-011C28B71673}" type="datetime1">
               <a:rPr lang="en-US" smtClean="0"/>
-              <a:t>9/29/2024</a:t>
+              <a:t>10/2/2024</a:t>
             </a:fld>
             <a:endParaRPr lang="en-US" dirty="0"/>
           </a:p>
@@ -5921,7 +5924,7 @@
           <a:p>
             <a:fld id="{5DB4ED54-5B5E-4A04-93D3-5772E3CE3818}" type="datetime1">
               <a:rPr lang="en-US" smtClean="0"/>
-              <a:t>9/29/2024</a:t>
+              <a:t>10/2/2024</a:t>
             </a:fld>
             <a:endParaRPr lang="en-US" dirty="0"/>
           </a:p>
@@ -6016,7 +6019,7 @@
           <a:p>
             <a:fld id="{4EDE50D6-574B-40AF-946F-D52A04ADE379}" type="datetime1">
               <a:rPr lang="en-US" smtClean="0"/>
-              <a:t>9/29/2024</a:t>
+              <a:t>10/2/2024</a:t>
             </a:fld>
             <a:endParaRPr lang="en-US" dirty="0"/>
           </a:p>
@@ -6393,7 +6396,7 @@
           <a:p>
             <a:fld id="{D82884F1-FFEA-405F-9602-3DCA865EDA4E}" type="datetime1">
               <a:rPr lang="en-US" smtClean="0"/>
-              <a:t>9/29/2024</a:t>
+              <a:t>10/2/2024</a:t>
             </a:fld>
             <a:endParaRPr lang="en-US" dirty="0"/>
           </a:p>
@@ -6686,7 +6689,7 @@
           <a:p>
             <a:fld id="{7E18DB4A-8810-4A10-AD5C-D5E2C667F5B3}" type="datetime1">
               <a:rPr lang="en-US" smtClean="0"/>
-              <a:t>9/29/2024</a:t>
+              <a:t>10/2/2024</a:t>
             </a:fld>
             <a:endParaRPr lang="en-US" dirty="0"/>
           </a:p>
@@ -6901,7 +6904,7 @@
           <a:p>
             <a:fld id="{ED291B17-9318-49DB-B28B-6E5994AE9581}" type="datetime1">
               <a:rPr lang="en-US" smtClean="0"/>
-              <a:t>9/29/2024</a:t>
+              <a:t>10/2/2024</a:t>
             </a:fld>
             <a:endParaRPr lang="en-US" dirty="0"/>
           </a:p>
@@ -7885,6 +7888,459 @@
 </p:sld>
 </file>
 
+<file path=ppt/slides/slide10.xml><?xml version="1.0" encoding="utf-8"?>
+<p:sld xmlns:a="http://schemas.openxmlformats.org/drawingml/2006/main" xmlns:r="http://schemas.openxmlformats.org/officeDocument/2006/relationships" xmlns:p="http://schemas.openxmlformats.org/presentationml/2006/main">
+  <p:cSld>
+    <p:spTree>
+      <p:nvGrpSpPr>
+        <p:cNvPr id="1" name=""/>
+        <p:cNvGrpSpPr/>
+        <p:nvPr/>
+      </p:nvGrpSpPr>
+      <p:grpSpPr>
+        <a:xfrm>
+          <a:off x="0" y="0"/>
+          <a:ext cx="0" cy="0"/>
+          <a:chOff x="0" y="0"/>
+          <a:chExt cx="0" cy="0"/>
+        </a:xfrm>
+      </p:grpSpPr>
+      <p:sp>
+        <p:nvSpPr>
+          <p:cNvPr id="2" name="Title 1">
+            <a:extLst>
+              <a:ext uri="{FF2B5EF4-FFF2-40B4-BE49-F238E27FC236}">
+                <a16:creationId xmlns:a16="http://schemas.microsoft.com/office/drawing/2014/main" id="{BEE6A7F0-76CF-4C26-B650-C30625468622}"/>
+              </a:ext>
+            </a:extLst>
+          </p:cNvPr>
+          <p:cNvSpPr>
+            <a:spLocks noGrp="1"/>
+          </p:cNvSpPr>
+          <p:nvPr>
+            <p:ph type="title"/>
+          </p:nvPr>
+        </p:nvSpPr>
+        <p:spPr/>
+        <p:txBody>
+          <a:bodyPr/>
+          <a:lstStyle/>
+          <a:p>
+            <a:r>
+              <a:rPr lang="en-US" dirty="0"/>
+              <a:t>PANDAS</a:t>
+            </a:r>
+          </a:p>
+        </p:txBody>
+      </p:sp>
+      <p:sp>
+        <p:nvSpPr>
+          <p:cNvPr id="3" name="Content Placeholder 2">
+            <a:extLst>
+              <a:ext uri="{FF2B5EF4-FFF2-40B4-BE49-F238E27FC236}">
+                <a16:creationId xmlns:a16="http://schemas.microsoft.com/office/drawing/2014/main" id="{EDFAFED9-9601-43FF-ADDE-ABE99C8064CB}"/>
+              </a:ext>
+            </a:extLst>
+          </p:cNvPr>
+          <p:cNvSpPr>
+            <a:spLocks noGrp="1"/>
+          </p:cNvSpPr>
+          <p:nvPr>
+            <p:ph idx="1"/>
+          </p:nvPr>
+        </p:nvSpPr>
+        <p:spPr/>
+        <p:txBody>
+          <a:bodyPr/>
+          <a:lstStyle/>
+          <a:p>
+            <a:r>
+              <a:rPr lang="en-US" dirty="0"/>
+              <a:t>Runs on top of NumPy</a:t>
+            </a:r>
+          </a:p>
+          <a:p>
+            <a:r>
+              <a:rPr lang="en-US" dirty="0"/>
+              <a:t>Very popular for data science </a:t>
+            </a:r>
+          </a:p>
+          <a:p>
+            <a:endParaRPr lang="en-US" dirty="0"/>
+          </a:p>
+        </p:txBody>
+      </p:sp>
+      <p:sp>
+        <p:nvSpPr>
+          <p:cNvPr id="4" name="Text Placeholder 3">
+            <a:extLst>
+              <a:ext uri="{FF2B5EF4-FFF2-40B4-BE49-F238E27FC236}">
+                <a16:creationId xmlns:a16="http://schemas.microsoft.com/office/drawing/2014/main" id="{E79D8E43-01E8-48F0-B6FB-BB822F3B2D8F}"/>
+              </a:ext>
+            </a:extLst>
+          </p:cNvPr>
+          <p:cNvSpPr>
+            <a:spLocks noGrp="1"/>
+          </p:cNvSpPr>
+          <p:nvPr>
+            <p:ph type="body" sz="half" idx="2"/>
+          </p:nvPr>
+        </p:nvSpPr>
+        <p:spPr/>
+        <p:txBody>
+          <a:bodyPr/>
+          <a:lstStyle/>
+          <a:p>
+            <a:r>
+              <a:rPr lang="en-US" dirty="0"/>
+              <a:t>Pandas is an open source python library providing high performance, easy to use data structures and data analysis tools. </a:t>
+            </a:r>
+          </a:p>
+        </p:txBody>
+      </p:sp>
+    </p:spTree>
+    <p:extLst>
+      <p:ext uri="{BB962C8B-B14F-4D97-AF65-F5344CB8AC3E}">
+        <p14:creationId xmlns:p14="http://schemas.microsoft.com/office/powerpoint/2010/main" val="12901230"/>
+      </p:ext>
+    </p:extLst>
+  </p:cSld>
+  <p:clrMapOvr>
+    <a:masterClrMapping/>
+  </p:clrMapOvr>
+</p:sld>
+</file>
+
+<file path=ppt/slides/slide11.xml><?xml version="1.0" encoding="utf-8"?>
+<p:sld xmlns:a="http://schemas.openxmlformats.org/drawingml/2006/main" xmlns:r="http://schemas.openxmlformats.org/officeDocument/2006/relationships" xmlns:p="http://schemas.openxmlformats.org/presentationml/2006/main">
+  <p:cSld>
+    <p:spTree>
+      <p:nvGrpSpPr>
+        <p:cNvPr id="1" name=""/>
+        <p:cNvGrpSpPr/>
+        <p:nvPr/>
+      </p:nvGrpSpPr>
+      <p:grpSpPr>
+        <a:xfrm>
+          <a:off x="0" y="0"/>
+          <a:ext cx="0" cy="0"/>
+          <a:chOff x="0" y="0"/>
+          <a:chExt cx="0" cy="0"/>
+        </a:xfrm>
+      </p:grpSpPr>
+      <p:sp>
+        <p:nvSpPr>
+          <p:cNvPr id="2" name="Title 1">
+            <a:extLst>
+              <a:ext uri="{FF2B5EF4-FFF2-40B4-BE49-F238E27FC236}">
+                <a16:creationId xmlns:a16="http://schemas.microsoft.com/office/drawing/2014/main" id="{2886956E-E213-4307-A4E5-6FB9B6E065BC}"/>
+              </a:ext>
+            </a:extLst>
+          </p:cNvPr>
+          <p:cNvSpPr>
+            <a:spLocks noGrp="1"/>
+          </p:cNvSpPr>
+          <p:nvPr>
+            <p:ph type="title"/>
+          </p:nvPr>
+        </p:nvSpPr>
+        <p:spPr/>
+        <p:txBody>
+          <a:bodyPr/>
+          <a:lstStyle/>
+          <a:p>
+            <a:r>
+              <a:rPr lang="en-US" dirty="0"/>
+              <a:t>Creating Array with reshape</a:t>
+            </a:r>
+          </a:p>
+        </p:txBody>
+      </p:sp>
+      <p:sp>
+        <p:nvSpPr>
+          <p:cNvPr id="3" name="Content Placeholder 2">
+            <a:extLst>
+              <a:ext uri="{FF2B5EF4-FFF2-40B4-BE49-F238E27FC236}">
+                <a16:creationId xmlns:a16="http://schemas.microsoft.com/office/drawing/2014/main" id="{F211FA97-EAB8-4A05-8123-EE1D6A200D4D}"/>
+              </a:ext>
+            </a:extLst>
+          </p:cNvPr>
+          <p:cNvSpPr>
+            <a:spLocks noGrp="1"/>
+          </p:cNvSpPr>
+          <p:nvPr>
+            <p:ph idx="1"/>
+          </p:nvPr>
+        </p:nvSpPr>
+        <p:spPr/>
+        <p:txBody>
+          <a:bodyPr/>
+          <a:lstStyle/>
+          <a:p>
+            <a:r>
+              <a:rPr lang="en-US" dirty="0"/>
+              <a:t>Task extract the 2</a:t>
+            </a:r>
+            <a:r>
+              <a:rPr lang="en-US" baseline="30000" dirty="0"/>
+              <a:t>nd</a:t>
+            </a:r>
+            <a:r>
+              <a:rPr lang="en-US" dirty="0"/>
+              <a:t> and the 4</a:t>
+            </a:r>
+            <a:r>
+              <a:rPr lang="en-US" baseline="30000" dirty="0"/>
+              <a:t>th</a:t>
+            </a:r>
+            <a:r>
+              <a:rPr lang="en-US" dirty="0"/>
+              <a:t> column </a:t>
+            </a:r>
+          </a:p>
+        </p:txBody>
+      </p:sp>
+      <p:sp>
+        <p:nvSpPr>
+          <p:cNvPr id="4" name="Text Placeholder 3">
+            <a:extLst>
+              <a:ext uri="{FF2B5EF4-FFF2-40B4-BE49-F238E27FC236}">
+                <a16:creationId xmlns:a16="http://schemas.microsoft.com/office/drawing/2014/main" id="{8EDD617A-2BCB-4DAD-B3EB-202F8E53643F}"/>
+              </a:ext>
+            </a:extLst>
+          </p:cNvPr>
+          <p:cNvSpPr>
+            <a:spLocks noGrp="1"/>
+          </p:cNvSpPr>
+          <p:nvPr>
+            <p:ph type="body" sz="half" idx="2"/>
+          </p:nvPr>
+        </p:nvSpPr>
+        <p:spPr/>
+        <p:txBody>
+          <a:bodyPr/>
+          <a:lstStyle/>
+          <a:p>
+            <a:r>
+              <a:rPr lang="en-US" dirty="0"/>
+              <a:t>a=</a:t>
+            </a:r>
+            <a:r>
+              <a:rPr lang="en-US" dirty="0" err="1"/>
+              <a:t>np.arange</a:t>
+            </a:r>
+            <a:r>
+              <a:rPr lang="en-US" dirty="0"/>
+              <a:t>(25).reshape(5,5)</a:t>
+            </a:r>
+          </a:p>
+        </p:txBody>
+      </p:sp>
+    </p:spTree>
+    <p:extLst>
+      <p:ext uri="{BB962C8B-B14F-4D97-AF65-F5344CB8AC3E}">
+        <p14:creationId xmlns:p14="http://schemas.microsoft.com/office/powerpoint/2010/main" val="3301139661"/>
+      </p:ext>
+    </p:extLst>
+  </p:cSld>
+  <p:clrMapOvr>
+    <a:masterClrMapping/>
+  </p:clrMapOvr>
+</p:sld>
+</file>
+
+<file path=ppt/slides/slide12.xml><?xml version="1.0" encoding="utf-8"?>
+<p:sld xmlns:a="http://schemas.openxmlformats.org/drawingml/2006/main" xmlns:r="http://schemas.openxmlformats.org/officeDocument/2006/relationships" xmlns:p="http://schemas.openxmlformats.org/presentationml/2006/main">
+  <p:cSld>
+    <p:spTree>
+      <p:nvGrpSpPr>
+        <p:cNvPr id="1" name=""/>
+        <p:cNvGrpSpPr/>
+        <p:nvPr/>
+      </p:nvGrpSpPr>
+      <p:grpSpPr>
+        <a:xfrm>
+          <a:off x="0" y="0"/>
+          <a:ext cx="0" cy="0"/>
+          <a:chOff x="0" y="0"/>
+          <a:chExt cx="0" cy="0"/>
+        </a:xfrm>
+      </p:grpSpPr>
+      <p:sp>
+        <p:nvSpPr>
+          <p:cNvPr id="5" name="Title 4">
+            <a:extLst>
+              <a:ext uri="{FF2B5EF4-FFF2-40B4-BE49-F238E27FC236}">
+                <a16:creationId xmlns:a16="http://schemas.microsoft.com/office/drawing/2014/main" id="{0EB2BA39-9F5B-4812-9D06-4A106EF99172}"/>
+              </a:ext>
+            </a:extLst>
+          </p:cNvPr>
+          <p:cNvSpPr>
+            <a:spLocks noGrp="1"/>
+          </p:cNvSpPr>
+          <p:nvPr>
+            <p:ph type="title"/>
+          </p:nvPr>
+        </p:nvSpPr>
+        <p:spPr/>
+        <p:txBody>
+          <a:bodyPr/>
+          <a:lstStyle/>
+          <a:p>
+            <a:r>
+              <a:rPr lang="en-US" dirty="0"/>
+              <a:t>Pandas Vs </a:t>
+            </a:r>
+            <a:r>
+              <a:rPr lang="en-US" dirty="0" err="1"/>
+              <a:t>NumPY</a:t>
+            </a:r>
+            <a:r>
+              <a:rPr lang="en-US" dirty="0"/>
+              <a:t> </a:t>
+            </a:r>
+          </a:p>
+        </p:txBody>
+      </p:sp>
+      <p:sp>
+        <p:nvSpPr>
+          <p:cNvPr id="6" name="Content Placeholder 5">
+            <a:extLst>
+              <a:ext uri="{FF2B5EF4-FFF2-40B4-BE49-F238E27FC236}">
+                <a16:creationId xmlns:a16="http://schemas.microsoft.com/office/drawing/2014/main" id="{0DD7A71C-58F4-4619-8A1A-FFF62A8BC924}"/>
+              </a:ext>
+            </a:extLst>
+          </p:cNvPr>
+          <p:cNvSpPr>
+            <a:spLocks noGrp="1"/>
+          </p:cNvSpPr>
+          <p:nvPr>
+            <p:ph sz="half" idx="1"/>
+          </p:nvPr>
+        </p:nvSpPr>
+        <p:spPr/>
+        <p:txBody>
+          <a:bodyPr/>
+          <a:lstStyle/>
+          <a:p>
+            <a:r>
+              <a:rPr lang="en-US" b="1" dirty="0"/>
+              <a:t>NumPy</a:t>
+            </a:r>
+          </a:p>
+          <a:p>
+            <a:r>
+              <a:rPr lang="en-US" dirty="0"/>
+              <a:t>Low-level data structure (</a:t>
+            </a:r>
+            <a:r>
+              <a:rPr lang="en-US" dirty="0" err="1"/>
+              <a:t>np.array</a:t>
+            </a:r>
+            <a:r>
+              <a:rPr lang="en-US" dirty="0"/>
+              <a:t>)</a:t>
+            </a:r>
+          </a:p>
+          <a:p>
+            <a:r>
+              <a:rPr lang="en-US" dirty="0"/>
+              <a:t>Support for large multi dimensional arrays and matrices</a:t>
+            </a:r>
+          </a:p>
+          <a:p>
+            <a:r>
+              <a:rPr lang="en-US" dirty="0"/>
+              <a:t>A wide range of mathematical array operations. </a:t>
+            </a:r>
+          </a:p>
+        </p:txBody>
+      </p:sp>
+      <p:sp>
+        <p:nvSpPr>
+          <p:cNvPr id="7" name="Content Placeholder 6">
+            <a:extLst>
+              <a:ext uri="{FF2B5EF4-FFF2-40B4-BE49-F238E27FC236}">
+                <a16:creationId xmlns:a16="http://schemas.microsoft.com/office/drawing/2014/main" id="{A2700428-47F6-456C-994B-B424A4BCC51E}"/>
+              </a:ext>
+            </a:extLst>
+          </p:cNvPr>
+          <p:cNvSpPr>
+            <a:spLocks noGrp="1"/>
+          </p:cNvSpPr>
+          <p:nvPr>
+            <p:ph sz="half" idx="2"/>
+          </p:nvPr>
+        </p:nvSpPr>
+        <p:spPr/>
+        <p:txBody>
+          <a:bodyPr/>
+          <a:lstStyle/>
+          <a:p>
+            <a:r>
+              <a:rPr lang="en-US" dirty="0"/>
+              <a:t>Pandas </a:t>
+            </a:r>
+          </a:p>
+          <a:p>
+            <a:r>
+              <a:rPr lang="en-US" dirty="0"/>
+              <a:t>High level data structures (data frames ). </a:t>
+            </a:r>
+          </a:p>
+          <a:p>
+            <a:r>
+              <a:rPr lang="en-US" dirty="0"/>
+              <a:t>More streamlined handling of tabular data, and rich time series functionality. </a:t>
+            </a:r>
+          </a:p>
+          <a:p>
+            <a:r>
+              <a:rPr lang="en-US" dirty="0"/>
+              <a:t>Data alignment, missing-data friendly statistics, </a:t>
+            </a:r>
+            <a:r>
+              <a:rPr lang="en-US" dirty="0" err="1"/>
+              <a:t>groupby</a:t>
+            </a:r>
+            <a:r>
+              <a:rPr lang="en-US" dirty="0"/>
+              <a:t>, merge and join methods. </a:t>
+            </a:r>
+          </a:p>
+          <a:p>
+            <a:r>
+              <a:rPr lang="en-US" dirty="0"/>
+              <a:t>You can use pandas data structures, and freely draw on NumPy and SciPy functions to manipulate them. </a:t>
+            </a:r>
+          </a:p>
+          <a:p>
+            <a:r>
+              <a:rPr lang="en-US" dirty="0">
+                <a:hlinkClick r:id="rId2"/>
+              </a:rPr>
+              <a:t>https://pandas.pydata.org/</a:t>
+            </a:r>
+            <a:r>
+              <a:rPr lang="en-US" dirty="0"/>
+              <a:t> </a:t>
+            </a:r>
+          </a:p>
+        </p:txBody>
+      </p:sp>
+    </p:spTree>
+    <p:extLst>
+      <p:ext uri="{BB962C8B-B14F-4D97-AF65-F5344CB8AC3E}">
+        <p14:creationId xmlns:p14="http://schemas.microsoft.com/office/powerpoint/2010/main" val="3166991828"/>
+      </p:ext>
+    </p:extLst>
+  </p:cSld>
+  <p:clrMapOvr>
+    <a:masterClrMapping/>
+  </p:clrMapOvr>
+</p:sld>
+</file>
+
 <file path=ppt/slides/slide2.xml><?xml version="1.0" encoding="utf-8"?>
 <p:sld xmlns:a="http://schemas.openxmlformats.org/drawingml/2006/main" xmlns:r="http://schemas.openxmlformats.org/officeDocument/2006/relationships" xmlns:p="http://schemas.openxmlformats.org/presentationml/2006/main">
   <p:cSld>
@@ -9799,7 +10255,22 @@
           <a:bodyPr/>
           <a:lstStyle/>
           <a:p>
-            <a:endParaRPr lang="en-US"/>
+            <a:r>
+              <a:rPr lang="en-US" dirty="0"/>
+              <a:t>a[0,3:4] -&gt; array[(4,5)]</a:t>
+            </a:r>
+          </a:p>
+          <a:p>
+            <a:r>
+              <a:rPr lang="en-US" dirty="0"/>
+              <a:t>a[1:,1:] -? </a:t>
+            </a:r>
+          </a:p>
+          <a:p>
+            <a:r>
+              <a:rPr lang="en-US" dirty="0"/>
+              <a:t>a[:,2] -&gt; array[(3,8)]</a:t>
+            </a:r>
           </a:p>
         </p:txBody>
       </p:sp>
@@ -9823,6 +10294,288 @@
         <p:txBody>
           <a:bodyPr/>
           <a:lstStyle/>
+          <a:p>
+            <a:r>
+              <a:rPr lang="en-US" b="0" dirty="0">
+                <a:solidFill>
+                  <a:srgbClr val="9CDCFE"/>
+                </a:solidFill>
+                <a:effectLst/>
+                <a:latin typeface="Consolas" panose="020B0609020204030204" pitchFamily="49" charset="0"/>
+              </a:rPr>
+              <a:t>a</a:t>
+            </a:r>
+            <a:r>
+              <a:rPr lang="en-US" b="0" dirty="0">
+                <a:solidFill>
+                  <a:srgbClr val="CCCCCC"/>
+                </a:solidFill>
+                <a:effectLst/>
+                <a:latin typeface="Consolas" panose="020B0609020204030204" pitchFamily="49" charset="0"/>
+              </a:rPr>
+              <a:t> </a:t>
+            </a:r>
+            <a:r>
+              <a:rPr lang="en-US" b="0" dirty="0">
+                <a:solidFill>
+                  <a:srgbClr val="D4D4D4"/>
+                </a:solidFill>
+                <a:effectLst/>
+                <a:latin typeface="Consolas" panose="020B0609020204030204" pitchFamily="49" charset="0"/>
+              </a:rPr>
+              <a:t>=</a:t>
+            </a:r>
+            <a:r>
+              <a:rPr lang="en-US" b="0" dirty="0">
+                <a:solidFill>
+                  <a:srgbClr val="CCCCCC"/>
+                </a:solidFill>
+                <a:effectLst/>
+                <a:latin typeface="Consolas" panose="020B0609020204030204" pitchFamily="49" charset="0"/>
+              </a:rPr>
+              <a:t> </a:t>
+            </a:r>
+            <a:r>
+              <a:rPr lang="en-US" b="0" dirty="0" err="1">
+                <a:solidFill>
+                  <a:srgbClr val="4EC9B0"/>
+                </a:solidFill>
+                <a:effectLst/>
+                <a:latin typeface="Consolas" panose="020B0609020204030204" pitchFamily="49" charset="0"/>
+              </a:rPr>
+              <a:t>np</a:t>
+            </a:r>
+            <a:r>
+              <a:rPr lang="en-US" b="0" dirty="0" err="1">
+                <a:solidFill>
+                  <a:srgbClr val="CCCCCC"/>
+                </a:solidFill>
+                <a:effectLst/>
+                <a:latin typeface="Consolas" panose="020B0609020204030204" pitchFamily="49" charset="0"/>
+              </a:rPr>
+              <a:t>.</a:t>
+            </a:r>
+            <a:r>
+              <a:rPr lang="en-US" b="0" dirty="0" err="1">
+                <a:solidFill>
+                  <a:srgbClr val="DCDCAA"/>
+                </a:solidFill>
+                <a:effectLst/>
+                <a:latin typeface="Consolas" panose="020B0609020204030204" pitchFamily="49" charset="0"/>
+              </a:rPr>
+              <a:t>array</a:t>
+            </a:r>
+            <a:r>
+              <a:rPr lang="en-US" b="0" dirty="0">
+                <a:solidFill>
+                  <a:srgbClr val="CCCCCC"/>
+                </a:solidFill>
+                <a:effectLst/>
+                <a:latin typeface="Consolas" panose="020B0609020204030204" pitchFamily="49" charset="0"/>
+              </a:rPr>
+              <a:t>([[</a:t>
+            </a:r>
+            <a:r>
+              <a:rPr lang="en-US" b="0" dirty="0">
+                <a:solidFill>
+                  <a:srgbClr val="B5CEA8"/>
+                </a:solidFill>
+                <a:effectLst/>
+                <a:latin typeface="Consolas" panose="020B0609020204030204" pitchFamily="49" charset="0"/>
+              </a:rPr>
+              <a:t>1</a:t>
+            </a:r>
+            <a:r>
+              <a:rPr lang="en-US" b="0" dirty="0">
+                <a:solidFill>
+                  <a:srgbClr val="CCCCCC"/>
+                </a:solidFill>
+                <a:effectLst/>
+                <a:latin typeface="Consolas" panose="020B0609020204030204" pitchFamily="49" charset="0"/>
+              </a:rPr>
+              <a:t>,</a:t>
+            </a:r>
+            <a:r>
+              <a:rPr lang="en-US" b="0" dirty="0">
+                <a:solidFill>
+                  <a:srgbClr val="B5CEA8"/>
+                </a:solidFill>
+                <a:effectLst/>
+                <a:latin typeface="Consolas" panose="020B0609020204030204" pitchFamily="49" charset="0"/>
+              </a:rPr>
+              <a:t>2</a:t>
+            </a:r>
+            <a:r>
+              <a:rPr lang="en-US" b="0" dirty="0">
+                <a:solidFill>
+                  <a:srgbClr val="CCCCCC"/>
+                </a:solidFill>
+                <a:effectLst/>
+                <a:latin typeface="Consolas" panose="020B0609020204030204" pitchFamily="49" charset="0"/>
+              </a:rPr>
+              <a:t>,</a:t>
+            </a:r>
+            <a:r>
+              <a:rPr lang="en-US" b="0" dirty="0">
+                <a:solidFill>
+                  <a:srgbClr val="B5CEA8"/>
+                </a:solidFill>
+                <a:effectLst/>
+                <a:latin typeface="Consolas" panose="020B0609020204030204" pitchFamily="49" charset="0"/>
+              </a:rPr>
+              <a:t>3</a:t>
+            </a:r>
+            <a:r>
+              <a:rPr lang="en-US" b="0" dirty="0">
+                <a:solidFill>
+                  <a:srgbClr val="CCCCCC"/>
+                </a:solidFill>
+                <a:effectLst/>
+                <a:latin typeface="Consolas" panose="020B0609020204030204" pitchFamily="49" charset="0"/>
+              </a:rPr>
+              <a:t>,</a:t>
+            </a:r>
+            <a:r>
+              <a:rPr lang="en-US" b="0" dirty="0">
+                <a:solidFill>
+                  <a:srgbClr val="B5CEA8"/>
+                </a:solidFill>
+                <a:effectLst/>
+                <a:latin typeface="Consolas" panose="020B0609020204030204" pitchFamily="49" charset="0"/>
+              </a:rPr>
+              <a:t>4</a:t>
+            </a:r>
+            <a:r>
+              <a:rPr lang="en-US" b="0" dirty="0">
+                <a:solidFill>
+                  <a:srgbClr val="CCCCCC"/>
+                </a:solidFill>
+                <a:effectLst/>
+                <a:latin typeface="Consolas" panose="020B0609020204030204" pitchFamily="49" charset="0"/>
+              </a:rPr>
+              <a:t>,</a:t>
+            </a:r>
+            <a:r>
+              <a:rPr lang="en-US" b="0" dirty="0">
+                <a:solidFill>
+                  <a:srgbClr val="B5CEA8"/>
+                </a:solidFill>
+                <a:effectLst/>
+                <a:latin typeface="Consolas" panose="020B0609020204030204" pitchFamily="49" charset="0"/>
+              </a:rPr>
+              <a:t>5</a:t>
+            </a:r>
+            <a:r>
+              <a:rPr lang="en-US" b="0" dirty="0">
+                <a:solidFill>
+                  <a:srgbClr val="CCCCCC"/>
+                </a:solidFill>
+                <a:effectLst/>
+                <a:latin typeface="Consolas" panose="020B0609020204030204" pitchFamily="49" charset="0"/>
+              </a:rPr>
+              <a:t>],[</a:t>
+            </a:r>
+            <a:r>
+              <a:rPr lang="en-US" b="0" dirty="0">
+                <a:solidFill>
+                  <a:srgbClr val="B5CEA8"/>
+                </a:solidFill>
+                <a:effectLst/>
+                <a:latin typeface="Consolas" panose="020B0609020204030204" pitchFamily="49" charset="0"/>
+              </a:rPr>
+              <a:t>6</a:t>
+            </a:r>
+            <a:r>
+              <a:rPr lang="en-US" b="0" dirty="0">
+                <a:solidFill>
+                  <a:srgbClr val="CCCCCC"/>
+                </a:solidFill>
+                <a:effectLst/>
+                <a:latin typeface="Consolas" panose="020B0609020204030204" pitchFamily="49" charset="0"/>
+              </a:rPr>
+              <a:t>,</a:t>
+            </a:r>
+            <a:r>
+              <a:rPr lang="en-US" b="0" dirty="0">
+                <a:solidFill>
+                  <a:srgbClr val="B5CEA8"/>
+                </a:solidFill>
+                <a:effectLst/>
+                <a:latin typeface="Consolas" panose="020B0609020204030204" pitchFamily="49" charset="0"/>
+              </a:rPr>
+              <a:t>7</a:t>
+            </a:r>
+            <a:r>
+              <a:rPr lang="en-US" b="0" dirty="0">
+                <a:solidFill>
+                  <a:srgbClr val="CCCCCC"/>
+                </a:solidFill>
+                <a:effectLst/>
+                <a:latin typeface="Consolas" panose="020B0609020204030204" pitchFamily="49" charset="0"/>
+              </a:rPr>
+              <a:t>,</a:t>
+            </a:r>
+            <a:r>
+              <a:rPr lang="en-US" b="0" dirty="0">
+                <a:solidFill>
+                  <a:srgbClr val="B5CEA8"/>
+                </a:solidFill>
+                <a:effectLst/>
+                <a:latin typeface="Consolas" panose="020B0609020204030204" pitchFamily="49" charset="0"/>
+              </a:rPr>
+              <a:t>8</a:t>
+            </a:r>
+            <a:r>
+              <a:rPr lang="en-US" b="0" dirty="0">
+                <a:solidFill>
+                  <a:srgbClr val="CCCCCC"/>
+                </a:solidFill>
+                <a:effectLst/>
+                <a:latin typeface="Consolas" panose="020B0609020204030204" pitchFamily="49" charset="0"/>
+              </a:rPr>
+              <a:t>,</a:t>
+            </a:r>
+            <a:r>
+              <a:rPr lang="en-US" b="0" dirty="0">
+                <a:solidFill>
+                  <a:srgbClr val="B5CEA8"/>
+                </a:solidFill>
+                <a:effectLst/>
+                <a:latin typeface="Consolas" panose="020B0609020204030204" pitchFamily="49" charset="0"/>
+              </a:rPr>
+              <a:t>9</a:t>
+            </a:r>
+            <a:r>
+              <a:rPr lang="en-US" b="0" dirty="0">
+                <a:solidFill>
+                  <a:srgbClr val="CCCCCC"/>
+                </a:solidFill>
+                <a:effectLst/>
+                <a:latin typeface="Consolas" panose="020B0609020204030204" pitchFamily="49" charset="0"/>
+              </a:rPr>
+              <a:t>,</a:t>
+            </a:r>
+            <a:r>
+              <a:rPr lang="en-US" b="0" dirty="0">
+                <a:solidFill>
+                  <a:srgbClr val="B5CEA8"/>
+                </a:solidFill>
+                <a:effectLst/>
+                <a:latin typeface="Consolas" panose="020B0609020204030204" pitchFamily="49" charset="0"/>
+              </a:rPr>
+              <a:t>10</a:t>
+            </a:r>
+            <a:r>
+              <a:rPr lang="en-US" b="0" dirty="0">
+                <a:solidFill>
+                  <a:srgbClr val="CCCCCC"/>
+                </a:solidFill>
+                <a:effectLst/>
+                <a:latin typeface="Consolas" panose="020B0609020204030204" pitchFamily="49" charset="0"/>
+              </a:rPr>
+              <a:t>]])</a:t>
+            </a:r>
+          </a:p>
           <a:p>
             <a:endParaRPr lang="en-US" dirty="0"/>
           </a:p>
@@ -10111,24 +10864,6 @@
 </file>
 
 <file path=customXml/item1.xml><?xml version="1.0" encoding="utf-8"?>
-<p:properties xmlns:p="http://schemas.microsoft.com/office/2006/metadata/properties" xmlns:xsi="http://www.w3.org/2001/XMLSchema-instance" xmlns:pc="http://schemas.microsoft.com/office/infopath/2007/PartnerControls">
-  <documentManagement>
-    <Status xmlns="71af3243-3dd4-4a8d-8c0d-dd76da1f02a5">Not started</Status>
-    <MediaServiceKeyPoints xmlns="71af3243-3dd4-4a8d-8c0d-dd76da1f02a5" xsi:nil="true"/>
-  </documentManagement>
-</p:properties>
-</file>
-
-<file path=customXml/item2.xml><?xml version="1.0" encoding="utf-8"?>
-<?mso-contentType ?>
-<FormTemplates xmlns="http://schemas.microsoft.com/sharepoint/v3/contenttype/forms">
-  <Display>DocumentLibraryForm</Display>
-  <Edit>DocumentLibraryForm</Edit>
-  <New>DocumentLibraryForm</New>
-</FormTemplates>
-</file>
-
-<file path=customXml/item3.xml><?xml version="1.0" encoding="utf-8"?>
 <ct:contentTypeSchema xmlns:ct="http://schemas.microsoft.com/office/2006/metadata/contentType" xmlns:ma="http://schemas.microsoft.com/office/2006/metadata/properties/metaAttributes" ct:_="" ma:_="" ma:contentTypeName="Document" ma:contentTypeID="0x01010079F111ED35F8CC479449609E8A0923A6" ma:contentTypeVersion="12" ma:contentTypeDescription="Create a new document." ma:contentTypeScope="" ma:versionID="a410dd7f93c95333ffa1b60ed6adedd1">
   <xsd:schema xmlns:xsd="http://www.w3.org/2001/XMLSchema" xmlns:xs="http://www.w3.org/2001/XMLSchema" xmlns:p="http://schemas.microsoft.com/office/2006/metadata/properties" xmlns:ns2="71af3243-3dd4-4a8d-8c0d-dd76da1f02a5" xmlns:ns3="16c05727-aa75-4e4a-9b5f-8a80a1165891" targetNamespace="http://schemas.microsoft.com/office/2006/metadata/properties" ma:root="true" ma:fieldsID="a936d9baba76aa3866493feff160faab" ns2:_="" ns3:_="">
     <xsd:import namespace="71af3243-3dd4-4a8d-8c0d-dd76da1f02a5"/>
@@ -10349,25 +11084,25 @@
 </ct:contentTypeSchema>
 </file>
 
-<file path=customXml/itemProps1.xml><?xml version="1.0" encoding="utf-8"?>
-<ds:datastoreItem xmlns:ds="http://schemas.openxmlformats.org/officeDocument/2006/customXml" ds:itemID="{8D289AE2-D2AE-49D1-AFAC-3A79F6794255}">
-  <ds:schemaRefs>
-    <ds:schemaRef ds:uri="http://schemas.microsoft.com/office/2006/metadata/properties"/>
-    <ds:schemaRef ds:uri="http://schemas.microsoft.com/office/infopath/2007/PartnerControls"/>
-    <ds:schemaRef ds:uri="71af3243-3dd4-4a8d-8c0d-dd76da1f02a5"/>
-  </ds:schemaRefs>
-</ds:datastoreItem>
+<file path=customXml/item2.xml><?xml version="1.0" encoding="utf-8"?>
+<?mso-contentType ?>
+<FormTemplates xmlns="http://schemas.microsoft.com/sharepoint/v3/contenttype/forms">
+  <Display>DocumentLibraryForm</Display>
+  <Edit>DocumentLibraryForm</Edit>
+  <New>DocumentLibraryForm</New>
+</FormTemplates>
 </file>
 
-<file path=customXml/itemProps2.xml><?xml version="1.0" encoding="utf-8"?>
-<ds:datastoreItem xmlns:ds="http://schemas.openxmlformats.org/officeDocument/2006/customXml" ds:itemID="{927BD4C1-B6B1-4715-ABF9-E660A51A4EA0}">
-  <ds:schemaRefs>
-    <ds:schemaRef ds:uri="http://schemas.microsoft.com/sharepoint/v3/contenttype/forms"/>
-  </ds:schemaRefs>
-</ds:datastoreItem>
+<file path=customXml/item3.xml><?xml version="1.0" encoding="utf-8"?>
+<p:properties xmlns:p="http://schemas.microsoft.com/office/2006/metadata/properties" xmlns:xsi="http://www.w3.org/2001/XMLSchema-instance" xmlns:pc="http://schemas.microsoft.com/office/infopath/2007/PartnerControls">
+  <documentManagement>
+    <Status xmlns="71af3243-3dd4-4a8d-8c0d-dd76da1f02a5">Not started</Status>
+    <MediaServiceKeyPoints xmlns="71af3243-3dd4-4a8d-8c0d-dd76da1f02a5" xsi:nil="true"/>
+  </documentManagement>
+</p:properties>
 </file>
 
-<file path=customXml/itemProps3.xml><?xml version="1.0" encoding="utf-8"?>
+<file path=customXml/itemProps1.xml><?xml version="1.0" encoding="utf-8"?>
 <ds:datastoreItem xmlns:ds="http://schemas.openxmlformats.org/officeDocument/2006/customXml" ds:itemID="{41E7CA09-9778-4414-AE97-8064B12DA30E}">
   <ds:schemaRefs>
     <ds:schemaRef ds:uri="http://schemas.microsoft.com/office/2006/metadata/contentType"/>
@@ -10384,4 +11119,22 @@
     <ds:schemaRef ds:uri="http://schemas.microsoft.com/internal/obd"/>
   </ds:schemaRefs>
 </ds:datastoreItem>
+</file>
+
+<file path=customXml/itemProps2.xml><?xml version="1.0" encoding="utf-8"?>
+<ds:datastoreItem xmlns:ds="http://schemas.openxmlformats.org/officeDocument/2006/customXml" ds:itemID="{927BD4C1-B6B1-4715-ABF9-E660A51A4EA0}">
+  <ds:schemaRefs>
+    <ds:schemaRef ds:uri="http://schemas.microsoft.com/sharepoint/v3/contenttype/forms"/>
+  </ds:schemaRefs>
+</ds:datastoreItem>
+</file>
+
+<file path=customXml/itemProps3.xml><?xml version="1.0" encoding="utf-8"?>
+<ds:datastoreItem xmlns:ds="http://schemas.openxmlformats.org/officeDocument/2006/customXml" ds:itemID="{8D289AE2-D2AE-49D1-AFAC-3A79F6794255}">
+  <ds:schemaRefs>
+    <ds:schemaRef ds:uri="http://schemas.microsoft.com/office/2006/metadata/properties"/>
+    <ds:schemaRef ds:uri="http://schemas.microsoft.com/office/infopath/2007/PartnerControls"/>
+    <ds:schemaRef ds:uri="71af3243-3dd4-4a8d-8c0d-dd76da1f02a5"/>
+  </ds:schemaRefs>
+</ds:datastoreItem>
 </file>
--- a/Class-4/Numpy and Pandas.pptx
+++ b/Class-4/Numpy and Pandas.pptx
@@ -4051,7 +4051,7 @@
           <a:p>
             <a:fld id="{ED291B17-9318-49DB-B28B-6E5994AE9581}" type="datetime1">
               <a:rPr lang="en-US" smtClean="0"/>
-              <a:t>10/2/2024</a:t>
+              <a:t>3/5/2025</a:t>
             </a:fld>
             <a:endParaRPr lang="en-US" dirty="0"/>
           </a:p>
@@ -4254,7 +4254,7 @@
           <a:p>
             <a:fld id="{2CED4963-E985-44C4-B8C4-FDD613B7C2F8}" type="datetime1">
               <a:rPr lang="en-US" smtClean="0"/>
-              <a:t>10/2/2024</a:t>
+              <a:t>3/5/2025</a:t>
             </a:fld>
             <a:endParaRPr lang="en-US" dirty="0"/>
           </a:p>
@@ -4616,7 +4616,7 @@
           <a:p>
             <a:fld id="{ED291B17-9318-49DB-B28B-6E5994AE9581}" type="datetime1">
               <a:rPr lang="en-US" smtClean="0"/>
-              <a:t>10/2/2024</a:t>
+              <a:t>3/5/2025</a:t>
             </a:fld>
             <a:endParaRPr lang="en-US" dirty="0"/>
           </a:p>
@@ -4814,7 +4814,7 @@
           <a:p>
             <a:fld id="{78DD82B9-B8EE-4375-B6FF-88FA6ABB15D9}" type="datetime1">
               <a:rPr lang="en-US" smtClean="0"/>
-              <a:t>10/2/2024</a:t>
+              <a:t>3/5/2025</a:t>
             </a:fld>
             <a:endParaRPr lang="en-US" dirty="0"/>
           </a:p>
@@ -5126,7 +5126,7 @@
           <a:p>
             <a:fld id="{B2497495-0637-405E-AE64-5CC7506D51F5}" type="datetime1">
               <a:rPr lang="en-US" smtClean="0"/>
-              <a:t>10/2/2024</a:t>
+              <a:t>3/5/2025</a:t>
             </a:fld>
             <a:endParaRPr lang="en-US" dirty="0"/>
           </a:p>
@@ -5379,7 +5379,7 @@
           <a:p>
             <a:fld id="{7BFFD690-9426-415D-8B65-26881E07B2D4}" type="datetime1">
               <a:rPr lang="en-US" smtClean="0"/>
-              <a:t>10/2/2024</a:t>
+              <a:t>3/5/2025</a:t>
             </a:fld>
             <a:endParaRPr lang="en-US" dirty="0"/>
           </a:p>
@@ -5801,7 +5801,7 @@
           <a:p>
             <a:fld id="{04C4989A-474C-40DE-95B9-011C28B71673}" type="datetime1">
               <a:rPr lang="en-US" smtClean="0"/>
-              <a:t>10/2/2024</a:t>
+              <a:t>3/5/2025</a:t>
             </a:fld>
             <a:endParaRPr lang="en-US" dirty="0"/>
           </a:p>
@@ -5924,7 +5924,7 @@
           <a:p>
             <a:fld id="{5DB4ED54-5B5E-4A04-93D3-5772E3CE3818}" type="datetime1">
               <a:rPr lang="en-US" smtClean="0"/>
-              <a:t>10/2/2024</a:t>
+              <a:t>3/5/2025</a:t>
             </a:fld>
             <a:endParaRPr lang="en-US" dirty="0"/>
           </a:p>
@@ -6019,7 +6019,7 @@
           <a:p>
             <a:fld id="{4EDE50D6-574B-40AF-946F-D52A04ADE379}" type="datetime1">
               <a:rPr lang="en-US" smtClean="0"/>
-              <a:t>10/2/2024</a:t>
+              <a:t>3/5/2025</a:t>
             </a:fld>
             <a:endParaRPr lang="en-US" dirty="0"/>
           </a:p>
@@ -6396,7 +6396,7 @@
           <a:p>
             <a:fld id="{D82884F1-FFEA-405F-9602-3DCA865EDA4E}" type="datetime1">
               <a:rPr lang="en-US" smtClean="0"/>
-              <a:t>10/2/2024</a:t>
+              <a:t>3/5/2025</a:t>
             </a:fld>
             <a:endParaRPr lang="en-US" dirty="0"/>
           </a:p>
@@ -6689,7 +6689,7 @@
           <a:p>
             <a:fld id="{7E18DB4A-8810-4A10-AD5C-D5E2C667F5B3}" type="datetime1">
               <a:rPr lang="en-US" smtClean="0"/>
-              <a:t>10/2/2024</a:t>
+              <a:t>3/5/2025</a:t>
             </a:fld>
             <a:endParaRPr lang="en-US" dirty="0"/>
           </a:p>
@@ -6904,7 +6904,7 @@
           <a:p>
             <a:fld id="{ED291B17-9318-49DB-B28B-6E5994AE9581}" type="datetime1">
               <a:rPr lang="en-US" smtClean="0"/>
-              <a:t>10/2/2024</a:t>
+              <a:t>3/5/2025</a:t>
             </a:fld>
             <a:endParaRPr lang="en-US" dirty="0"/>
           </a:p>
@@ -7673,7 +7673,7 @@
           <a:p>
             <a:r>
               <a:rPr lang="en-US" dirty="0"/>
-              <a:t>Sit Dolor Amet</a:t>
+              <a:t>Avnit Bambah</a:t>
             </a:r>
           </a:p>
         </p:txBody>
@@ -7731,6 +7731,13 @@
             <a:schemeClr val="lt1"/>
           </a:fontRef>
         </p:style>
+        <p:txBody>
+          <a:bodyPr/>
+          <a:lstStyle/>
+          <a:p>
+            <a:endParaRPr lang="en-US"/>
+          </a:p>
+        </p:txBody>
       </p:sp>
       <p:sp>
         <p:nvSpPr>
@@ -7785,6 +7792,13 @@
             <a:schemeClr val="lt1"/>
           </a:fontRef>
         </p:style>
+        <p:txBody>
+          <a:bodyPr/>
+          <a:lstStyle/>
+          <a:p>
+            <a:endParaRPr lang="en-US"/>
+          </a:p>
+        </p:txBody>
       </p:sp>
       <p:sp>
         <p:nvSpPr>
@@ -7839,6 +7853,13 @@
             <a:schemeClr val="lt1"/>
           </a:fontRef>
         </p:style>
+        <p:txBody>
+          <a:bodyPr/>
+          <a:lstStyle/>
+          <a:p>
+            <a:endParaRPr lang="en-US"/>
+          </a:p>
+        </p:txBody>
       </p:sp>
       <p:pic>
         <p:nvPicPr>
@@ -10864,6 +10885,15 @@
 </file>
 
 <file path=customXml/item1.xml><?xml version="1.0" encoding="utf-8"?>
+<?mso-contentType ?>
+<FormTemplates xmlns="http://schemas.microsoft.com/sharepoint/v3/contenttype/forms">
+  <Display>DocumentLibraryForm</Display>
+  <Edit>DocumentLibraryForm</Edit>
+  <New>DocumentLibraryForm</New>
+</FormTemplates>
+</file>
+
+<file path=customXml/item2.xml><?xml version="1.0" encoding="utf-8"?>
 <ct:contentTypeSchema xmlns:ct="http://schemas.microsoft.com/office/2006/metadata/contentType" xmlns:ma="http://schemas.microsoft.com/office/2006/metadata/properties/metaAttributes" ct:_="" ma:_="" ma:contentTypeName="Document" ma:contentTypeID="0x01010079F111ED35F8CC479449609E8A0923A6" ma:contentTypeVersion="12" ma:contentTypeDescription="Create a new document." ma:contentTypeScope="" ma:versionID="a410dd7f93c95333ffa1b60ed6adedd1">
   <xsd:schema xmlns:xsd="http://www.w3.org/2001/XMLSchema" xmlns:xs="http://www.w3.org/2001/XMLSchema" xmlns:p="http://schemas.microsoft.com/office/2006/metadata/properties" xmlns:ns2="71af3243-3dd4-4a8d-8c0d-dd76da1f02a5" xmlns:ns3="16c05727-aa75-4e4a-9b5f-8a80a1165891" targetNamespace="http://schemas.microsoft.com/office/2006/metadata/properties" ma:root="true" ma:fieldsID="a936d9baba76aa3866493feff160faab" ns2:_="" ns3:_="">
     <xsd:import namespace="71af3243-3dd4-4a8d-8c0d-dd76da1f02a5"/>
@@ -11084,15 +11114,6 @@
 </ct:contentTypeSchema>
 </file>
 
-<file path=customXml/item2.xml><?xml version="1.0" encoding="utf-8"?>
-<?mso-contentType ?>
-<FormTemplates xmlns="http://schemas.microsoft.com/sharepoint/v3/contenttype/forms">
-  <Display>DocumentLibraryForm</Display>
-  <Edit>DocumentLibraryForm</Edit>
-  <New>DocumentLibraryForm</New>
-</FormTemplates>
-</file>
-
 <file path=customXml/item3.xml><?xml version="1.0" encoding="utf-8"?>
 <p:properties xmlns:p="http://schemas.microsoft.com/office/2006/metadata/properties" xmlns:xsi="http://www.w3.org/2001/XMLSchema-instance" xmlns:pc="http://schemas.microsoft.com/office/infopath/2007/PartnerControls">
   <documentManagement>
@@ -11103,6 +11124,14 @@
 </file>
 
 <file path=customXml/itemProps1.xml><?xml version="1.0" encoding="utf-8"?>
+<ds:datastoreItem xmlns:ds="http://schemas.openxmlformats.org/officeDocument/2006/customXml" ds:itemID="{927BD4C1-B6B1-4715-ABF9-E660A51A4EA0}">
+  <ds:schemaRefs>
+    <ds:schemaRef ds:uri="http://schemas.microsoft.com/sharepoint/v3/contenttype/forms"/>
+  </ds:schemaRefs>
+</ds:datastoreItem>
+</file>
+
+<file path=customXml/itemProps2.xml><?xml version="1.0" encoding="utf-8"?>
 <ds:datastoreItem xmlns:ds="http://schemas.openxmlformats.org/officeDocument/2006/customXml" ds:itemID="{41E7CA09-9778-4414-AE97-8064B12DA30E}">
   <ds:schemaRefs>
     <ds:schemaRef ds:uri="http://schemas.microsoft.com/office/2006/metadata/contentType"/>
@@ -11121,20 +11150,19 @@
 </ds:datastoreItem>
 </file>
 
-<file path=customXml/itemProps2.xml><?xml version="1.0" encoding="utf-8"?>
-<ds:datastoreItem xmlns:ds="http://schemas.openxmlformats.org/officeDocument/2006/customXml" ds:itemID="{927BD4C1-B6B1-4715-ABF9-E660A51A4EA0}">
-  <ds:schemaRefs>
-    <ds:schemaRef ds:uri="http://schemas.microsoft.com/sharepoint/v3/contenttype/forms"/>
-  </ds:schemaRefs>
-</ds:datastoreItem>
-</file>
-
 <file path=customXml/itemProps3.xml><?xml version="1.0" encoding="utf-8"?>
 <ds:datastoreItem xmlns:ds="http://schemas.openxmlformats.org/officeDocument/2006/customXml" ds:itemID="{8D289AE2-D2AE-49D1-AFAC-3A79F6794255}">
   <ds:schemaRefs>
+    <ds:schemaRef ds:uri="http://purl.org/dc/dcmitype/"/>
+    <ds:schemaRef ds:uri="http://purl.org/dc/terms/"/>
+    <ds:schemaRef ds:uri="http://purl.org/dc/elements/1.1/"/>
+    <ds:schemaRef ds:uri="http://www.w3.org/XML/1998/namespace"/>
+    <ds:schemaRef ds:uri="http://schemas.microsoft.com/office/infopath/2007/PartnerControls"/>
+    <ds:schemaRef ds:uri="http://schemas.openxmlformats.org/package/2006/metadata/core-properties"/>
+    <ds:schemaRef ds:uri="http://schemas.microsoft.com/office/2006/documentManagement/types"/>
+    <ds:schemaRef ds:uri="16c05727-aa75-4e4a-9b5f-8a80a1165891"/>
+    <ds:schemaRef ds:uri="71af3243-3dd4-4a8d-8c0d-dd76da1f02a5"/>
     <ds:schemaRef ds:uri="http://schemas.microsoft.com/office/2006/metadata/properties"/>
-    <ds:schemaRef ds:uri="http://schemas.microsoft.com/office/infopath/2007/PartnerControls"/>
-    <ds:schemaRef ds:uri="71af3243-3dd4-4a8d-8c0d-dd76da1f02a5"/>
   </ds:schemaRefs>
 </ds:datastoreItem>
 </file>